--- a/MatlabGP/docs/doc.pptx
+++ b/MatlabGP/docs/doc.pptx
@@ -106,6 +106,11 @@
       </a:defRPr>
     </a:lvl9pPr>
   </p:defaultTextStyle>
+  <p:extLst>
+    <p:ext uri="{EFAFB233-063F-42B5-8137-9DF3F51BA10A}">
+      <p15:sldGuideLst xmlns:p15="http://schemas.microsoft.com/office/powerpoint/2012/main"/>
+    </p:ext>
+  </p:extLst>
 </p:presentation>
 </file>
 
@@ -262,7 +267,7 @@
           <a:p>
             <a:fld id="{82E9C7F6-86F3-4BAF-A4C2-FF13BE6E79FF}" type="datetimeFigureOut">
               <a:rPr lang="en-US" smtClean="0"/>
-              <a:t>8/16/2024</a:t>
+              <a:t>8/22/2024</a:t>
             </a:fld>
             <a:endParaRPr lang="en-US"/>
           </a:p>
@@ -476,7 +481,7 @@
           <a:p>
             <a:fld id="{82E9C7F6-86F3-4BAF-A4C2-FF13BE6E79FF}" type="datetimeFigureOut">
               <a:rPr lang="en-US" smtClean="0"/>
-              <a:t>8/16/2024</a:t>
+              <a:t>8/22/2024</a:t>
             </a:fld>
             <a:endParaRPr lang="en-US"/>
           </a:p>
@@ -690,7 +695,7 @@
           <a:p>
             <a:fld id="{82E9C7F6-86F3-4BAF-A4C2-FF13BE6E79FF}" type="datetimeFigureOut">
               <a:rPr lang="en-US" smtClean="0"/>
-              <a:t>8/16/2024</a:t>
+              <a:t>8/22/2024</a:t>
             </a:fld>
             <a:endParaRPr lang="en-US"/>
           </a:p>
@@ -904,7 +909,7 @@
           <a:p>
             <a:fld id="{82E9C7F6-86F3-4BAF-A4C2-FF13BE6E79FF}" type="datetimeFigureOut">
               <a:rPr lang="en-US" smtClean="0"/>
-              <a:t>8/16/2024</a:t>
+              <a:t>8/22/2024</a:t>
             </a:fld>
             <a:endParaRPr lang="en-US"/>
           </a:p>
@@ -1185,7 +1190,7 @@
           <a:p>
             <a:fld id="{82E9C7F6-86F3-4BAF-A4C2-FF13BE6E79FF}" type="datetimeFigureOut">
               <a:rPr lang="en-US" smtClean="0"/>
-              <a:t>8/16/2024</a:t>
+              <a:t>8/22/2024</a:t>
             </a:fld>
             <a:endParaRPr lang="en-US"/>
           </a:p>
@@ -1464,7 +1469,7 @@
           <a:p>
             <a:fld id="{82E9C7F6-86F3-4BAF-A4C2-FF13BE6E79FF}" type="datetimeFigureOut">
               <a:rPr lang="en-US" smtClean="0"/>
-              <a:t>8/16/2024</a:t>
+              <a:t>8/22/2024</a:t>
             </a:fld>
             <a:endParaRPr lang="en-US"/>
           </a:p>
@@ -1891,7 +1896,7 @@
           <a:p>
             <a:fld id="{82E9C7F6-86F3-4BAF-A4C2-FF13BE6E79FF}" type="datetimeFigureOut">
               <a:rPr lang="en-US" smtClean="0"/>
-              <a:t>8/16/2024</a:t>
+              <a:t>8/22/2024</a:t>
             </a:fld>
             <a:endParaRPr lang="en-US"/>
           </a:p>
@@ -2040,7 +2045,7 @@
           <a:p>
             <a:fld id="{82E9C7F6-86F3-4BAF-A4C2-FF13BE6E79FF}" type="datetimeFigureOut">
               <a:rPr lang="en-US" smtClean="0"/>
-              <a:t>8/16/2024</a:t>
+              <a:t>8/22/2024</a:t>
             </a:fld>
             <a:endParaRPr lang="en-US"/>
           </a:p>
@@ -2153,7 +2158,7 @@
           <a:p>
             <a:fld id="{82E9C7F6-86F3-4BAF-A4C2-FF13BE6E79FF}" type="datetimeFigureOut">
               <a:rPr lang="en-US" smtClean="0"/>
-              <a:t>8/16/2024</a:t>
+              <a:t>8/22/2024</a:t>
             </a:fld>
             <a:endParaRPr lang="en-US"/>
           </a:p>
@@ -2473,7 +2478,7 @@
           <a:p>
             <a:fld id="{82E9C7F6-86F3-4BAF-A4C2-FF13BE6E79FF}" type="datetimeFigureOut">
               <a:rPr lang="en-US" smtClean="0"/>
-              <a:t>8/16/2024</a:t>
+              <a:t>8/22/2024</a:t>
             </a:fld>
             <a:endParaRPr lang="en-US"/>
           </a:p>
@@ -2770,7 +2775,7 @@
           <a:p>
             <a:fld id="{82E9C7F6-86F3-4BAF-A4C2-FF13BE6E79FF}" type="datetimeFigureOut">
               <a:rPr lang="en-US" smtClean="0"/>
-              <a:t>8/16/2024</a:t>
+              <a:t>8/22/2024</a:t>
             </a:fld>
             <a:endParaRPr lang="en-US"/>
           </a:p>
@@ -2909,7 +2914,7 @@
           <a:p>
             <a:fld id="{82E9C7F6-86F3-4BAF-A4C2-FF13BE6E79FF}" type="datetimeFigureOut">
               <a:rPr lang="en-US" smtClean="0"/>
-              <a:t>8/16/2024</a:t>
+              <a:t>8/22/2024</a:t>
             </a:fld>
             <a:endParaRPr lang="en-US"/>
           </a:p>
@@ -3379,131 +3384,6 @@
           </a:p>
         </p:txBody>
       </p:sp>
-      <p:sp>
-        <p:nvSpPr>
-          <p:cNvPr id="6" name="TextBox 5">
-            <a:extLst>
-              <a:ext uri="{FF2B5EF4-FFF2-40B4-BE49-F238E27FC236}">
-                <a16:creationId xmlns:a16="http://schemas.microsoft.com/office/drawing/2014/main" id="{6CA1D053-502C-27CE-A4E3-131BD6AB6F65}"/>
-              </a:ext>
-            </a:extLst>
-          </p:cNvPr>
-          <p:cNvSpPr txBox="1"/>
-          <p:nvPr/>
-        </p:nvSpPr>
-        <p:spPr>
-          <a:xfrm>
-            <a:off x="0" y="4826675"/>
-            <a:ext cx="1082797" cy="2031325"/>
-          </a:xfrm>
-          <a:prstGeom prst="rect">
-            <a:avLst/>
-          </a:prstGeom>
-          <a:noFill/>
-        </p:spPr>
-        <p:txBody>
-          <a:bodyPr wrap="none" rtlCol="0">
-            <a:spAutoFit/>
-          </a:bodyPr>
-          <a:lstStyle/>
-          <a:p>
-            <a:r>
-              <a:rPr lang="en-US" dirty="0">
-                <a:solidFill>
-                  <a:srgbClr val="FFFFFF"/>
-                </a:solidFill>
-              </a:rPr>
-              <a:t>+BO</a:t>
-            </a:r>
-          </a:p>
-          <a:p>
-            <a:r>
-              <a:rPr lang="en-US" dirty="0">
-                <a:solidFill>
-                  <a:srgbClr val="FFFFFF"/>
-                </a:solidFill>
-              </a:rPr>
-              <a:t>+means</a:t>
-            </a:r>
-          </a:p>
-          <a:p>
-            <a:r>
-              <a:rPr lang="en-US" dirty="0">
-                <a:solidFill>
-                  <a:srgbClr val="FFFFFF"/>
-                </a:solidFill>
-              </a:rPr>
-              <a:t>+kernels</a:t>
-            </a:r>
-          </a:p>
-          <a:p>
-            <a:r>
-              <a:rPr lang="en-US" dirty="0">
-                <a:solidFill>
-                  <a:srgbClr val="FFFFFF"/>
-                </a:solidFill>
-              </a:rPr>
-              <a:t>+NN</a:t>
-            </a:r>
-          </a:p>
-          <a:p>
-            <a:r>
-              <a:rPr lang="en-US" dirty="0">
-                <a:solidFill>
-                  <a:srgbClr val="FFFFFF"/>
-                </a:solidFill>
-              </a:rPr>
-              <a:t>+</a:t>
-            </a:r>
-            <a:r>
-              <a:rPr lang="en-US" dirty="0" err="1">
-                <a:solidFill>
-                  <a:srgbClr val="FFFFFF"/>
-                </a:solidFill>
-              </a:rPr>
-              <a:t>optim</a:t>
-            </a:r>
-            <a:endParaRPr lang="en-US" dirty="0">
-              <a:solidFill>
-                <a:srgbClr val="FFFFFF"/>
-              </a:solidFill>
-            </a:endParaRPr>
-          </a:p>
-          <a:p>
-            <a:r>
-              <a:rPr lang="en-US" dirty="0">
-                <a:solidFill>
-                  <a:srgbClr val="FFFFFF"/>
-                </a:solidFill>
-              </a:rPr>
-              <a:t>+utils</a:t>
-            </a:r>
-          </a:p>
-          <a:p>
-            <a:r>
-              <a:rPr lang="en-US" dirty="0">
-                <a:solidFill>
-                  <a:srgbClr val="FFFFFF"/>
-                </a:solidFill>
-              </a:rPr>
-              <a:t>+</a:t>
-            </a:r>
-            <a:r>
-              <a:rPr lang="en-US" dirty="0" err="1">
-                <a:solidFill>
-                  <a:srgbClr val="FFFFFF"/>
-                </a:solidFill>
-              </a:rPr>
-              <a:t>autodiff</a:t>
-            </a:r>
-            <a:endParaRPr lang="en-US" dirty="0">
-              <a:solidFill>
-                <a:srgbClr val="FFFFFF"/>
-              </a:solidFill>
-            </a:endParaRPr>
-          </a:p>
-        </p:txBody>
-      </p:sp>
     </p:spTree>
     <p:extLst>
       <p:ext uri="{BB962C8B-B14F-4D97-AF65-F5344CB8AC3E}">
@@ -3549,7 +3429,7 @@
         <p:spPr>
           <a:xfrm>
             <a:off x="0" y="4826675"/>
-            <a:ext cx="1082797" cy="2031325"/>
+            <a:ext cx="1033553" cy="2031325"/>
           </a:xfrm>
           <a:prstGeom prst="rect">
             <a:avLst/>
@@ -3635,14 +3515,6 @@
             </a:r>
           </a:p>
           <a:p>
-            <a:r>
-              <a:rPr lang="en-US" dirty="0">
-                <a:solidFill>
-                  <a:srgbClr val="FFFFFF"/>
-                </a:solidFill>
-              </a:rPr>
-              <a:t>+</a:t>
-            </a:r>
             <a:r>
               <a:rPr lang="en-US" dirty="0" err="1">
                 <a:solidFill>
